--- a/Теплякова_Буранова_SimpleNote2/л.р.1.pptx
+++ b/Теплякова_Буранова_SimpleNote2/л.р.1.pptx
@@ -108,6 +108,11 @@
       </a:defRPr>
     </a:lvl9pPr>
   </p:defaultTextStyle>
+  <p:extLst>
+    <p:ext uri="{EFAFB233-063F-42B5-8137-9DF3F51BA10A}">
+      <p15:sldGuideLst xmlns:p15="http://schemas.microsoft.com/office/powerpoint/2012/main"/>
+    </p:ext>
+  </p:extLst>
 </p:presentation>
 </file>
 
@@ -206,7 +211,7 @@
           <a:effectLst/>
           <a:extLst>
             <a:ext uri="{91240B29-F687-4f45-9708-019B960494DF}">
-              <a14:hiddenLine xmlns:a14="http://schemas.microsoft.com/office/drawing/2010/main" xmlns="" w="9525">
+              <a14:hiddenLine xmlns="" xmlns:a14="http://schemas.microsoft.com/office/drawing/2010/main" w="9525">
                 <a:solidFill>
                   <a:srgbClr val="000000"/>
                 </a:solidFill>
@@ -398,7 +403,7 @@
           <a:p>
             <a:fld id="{DE9AFDE2-62D1-45F9-AA81-93B51FC81723}" type="datetimeFigureOut">
               <a:rPr lang="ru-RU" smtClean="0"/>
-              <a:t>26.09.2018</a:t>
+              <a:t>09.10.2018</a:t>
             </a:fld>
             <a:endParaRPr lang="ru-RU"/>
           </a:p>
@@ -716,7 +721,7 @@
           <a:p>
             <a:fld id="{DE9AFDE2-62D1-45F9-AA81-93B51FC81723}" type="datetimeFigureOut">
               <a:rPr lang="ru-RU" smtClean="0"/>
-              <a:t>26.09.2018</a:t>
+              <a:t>09.10.2018</a:t>
             </a:fld>
             <a:endParaRPr lang="ru-RU"/>
           </a:p>
@@ -1204,7 +1209,7 @@
           <a:p>
             <a:fld id="{DE9AFDE2-62D1-45F9-AA81-93B51FC81723}" type="datetimeFigureOut">
               <a:rPr lang="ru-RU" smtClean="0"/>
-              <a:t>26.09.2018</a:t>
+              <a:t>09.10.2018</a:t>
             </a:fld>
             <a:endParaRPr lang="ru-RU"/>
           </a:p>
@@ -1573,7 +1578,7 @@
           <a:p>
             <a:fld id="{DE9AFDE2-62D1-45F9-AA81-93B51FC81723}" type="datetimeFigureOut">
               <a:rPr lang="ru-RU" smtClean="0"/>
-              <a:t>26.09.2018</a:t>
+              <a:t>09.10.2018</a:t>
             </a:fld>
             <a:endParaRPr lang="ru-RU"/>
           </a:p>
@@ -1728,7 +1733,7 @@
           <a:ln/>
           <a:extLst>
             <a:ext uri="{91240B29-F687-4f45-9708-019B960494DF}">
-              <a14:hiddenLine xmlns:a14="http://schemas.microsoft.com/office/drawing/2010/main" xmlns="" w="9525">
+              <a14:hiddenLine xmlns="" xmlns:a14="http://schemas.microsoft.com/office/drawing/2010/main" w="9525">
                 <a:solidFill>
                   <a:srgbClr val="000000"/>
                 </a:solidFill>
@@ -1846,7 +1851,7 @@
           <a:p>
             <a:fld id="{DE9AFDE2-62D1-45F9-AA81-93B51FC81723}" type="datetimeFigureOut">
               <a:rPr lang="ru-RU" smtClean="0"/>
-              <a:t>26.09.2018</a:t>
+              <a:t>09.10.2018</a:t>
             </a:fld>
             <a:endParaRPr lang="ru-RU"/>
           </a:p>
@@ -2003,7 +2008,7 @@
           <a:ln/>
           <a:extLst>
             <a:ext uri="{91240B29-F687-4f45-9708-019B960494DF}">
-              <a14:hiddenLine xmlns:a14="http://schemas.microsoft.com/office/drawing/2010/main" xmlns="" w="9525">
+              <a14:hiddenLine xmlns="" xmlns:a14="http://schemas.microsoft.com/office/drawing/2010/main" w="9525">
                 <a:solidFill>
                   <a:srgbClr val="000000"/>
                 </a:solidFill>
@@ -2131,7 +2136,7 @@
           <a:p>
             <a:fld id="{DE9AFDE2-62D1-45F9-AA81-93B51FC81723}" type="datetimeFigureOut">
               <a:rPr lang="ru-RU" smtClean="0"/>
-              <a:t>26.09.2018</a:t>
+              <a:t>09.10.2018</a:t>
             </a:fld>
             <a:endParaRPr lang="ru-RU"/>
           </a:p>
@@ -2286,7 +2291,7 @@
           <a:ln/>
           <a:extLst>
             <a:ext uri="{91240B29-F687-4f45-9708-019B960494DF}">
-              <a14:hiddenLine xmlns:a14="http://schemas.microsoft.com/office/drawing/2010/main" xmlns="" w="9525">
+              <a14:hiddenLine xmlns="" xmlns:a14="http://schemas.microsoft.com/office/drawing/2010/main" w="9525">
                 <a:solidFill>
                   <a:srgbClr val="000000"/>
                 </a:solidFill>
@@ -2414,7 +2419,7 @@
           <a:p>
             <a:fld id="{DE9AFDE2-62D1-45F9-AA81-93B51FC81723}" type="datetimeFigureOut">
               <a:rPr lang="ru-RU" smtClean="0"/>
-              <a:t>26.09.2018</a:t>
+              <a:t>09.10.2018</a:t>
             </a:fld>
             <a:endParaRPr lang="ru-RU"/>
           </a:p>
@@ -2757,7 +2762,7 @@
           <a:p>
             <a:fld id="{DE9AFDE2-62D1-45F9-AA81-93B51FC81723}" type="datetimeFigureOut">
               <a:rPr lang="ru-RU" smtClean="0"/>
-              <a:t>26.09.2018</a:t>
+              <a:t>09.10.2018</a:t>
             </a:fld>
             <a:endParaRPr lang="ru-RU"/>
           </a:p>
@@ -2912,7 +2917,7 @@
           <a:ln/>
           <a:extLst>
             <a:ext uri="{91240B29-F687-4f45-9708-019B960494DF}">
-              <a14:hiddenLine xmlns:a14="http://schemas.microsoft.com/office/drawing/2010/main" xmlns="" w="9525">
+              <a14:hiddenLine xmlns="" xmlns:a14="http://schemas.microsoft.com/office/drawing/2010/main" w="9525">
                 <a:solidFill>
                   <a:srgbClr val="000000"/>
                 </a:solidFill>
@@ -3096,7 +3101,7 @@
           <a:p>
             <a:fld id="{DE9AFDE2-62D1-45F9-AA81-93B51FC81723}" type="datetimeFigureOut">
               <a:rPr lang="ru-RU" smtClean="0"/>
-              <a:t>26.09.2018</a:t>
+              <a:t>09.10.2018</a:t>
             </a:fld>
             <a:endParaRPr lang="ru-RU"/>
           </a:p>
@@ -3251,7 +3256,7 @@
           <a:ln/>
           <a:extLst>
             <a:ext uri="{91240B29-F687-4f45-9708-019B960494DF}">
-              <a14:hiddenLine xmlns:a14="http://schemas.microsoft.com/office/drawing/2010/main" xmlns="" w="9525">
+              <a14:hiddenLine xmlns="" xmlns:a14="http://schemas.microsoft.com/office/drawing/2010/main" w="9525">
                 <a:solidFill>
                   <a:srgbClr val="000000"/>
                 </a:solidFill>
@@ -3573,7 +3578,7 @@
           <a:p>
             <a:fld id="{DE9AFDE2-62D1-45F9-AA81-93B51FC81723}" type="datetimeFigureOut">
               <a:rPr lang="ru-RU" smtClean="0"/>
-              <a:t>26.09.2018</a:t>
+              <a:t>09.10.2018</a:t>
             </a:fld>
             <a:endParaRPr lang="ru-RU"/>
           </a:p>
@@ -3728,7 +3733,7 @@
           <a:ln/>
           <a:extLst>
             <a:ext uri="{91240B29-F687-4f45-9708-019B960494DF}">
-              <a14:hiddenLine xmlns:a14="http://schemas.microsoft.com/office/drawing/2010/main" xmlns="" w="9525">
+              <a14:hiddenLine xmlns="" xmlns:a14="http://schemas.microsoft.com/office/drawing/2010/main" w="9525">
                 <a:solidFill>
                   <a:srgbClr val="000000"/>
                 </a:solidFill>
@@ -3794,7 +3799,7 @@
           <a:p>
             <a:fld id="{DE9AFDE2-62D1-45F9-AA81-93B51FC81723}" type="datetimeFigureOut">
               <a:rPr lang="ru-RU" smtClean="0"/>
-              <a:t>26.09.2018</a:t>
+              <a:t>09.10.2018</a:t>
             </a:fld>
             <a:endParaRPr lang="ru-RU"/>
           </a:p>
@@ -3889,7 +3894,7 @@
           <a:p>
             <a:fld id="{DE9AFDE2-62D1-45F9-AA81-93B51FC81723}" type="datetimeFigureOut">
               <a:rPr lang="ru-RU" smtClean="0"/>
-              <a:t>26.09.2018</a:t>
+              <a:t>09.10.2018</a:t>
             </a:fld>
             <a:endParaRPr lang="ru-RU"/>
           </a:p>
@@ -4157,7 +4162,7 @@
           <a:ln/>
           <a:extLst>
             <a:ext uri="{91240B29-F687-4f45-9708-019B960494DF}">
-              <a14:hiddenLine xmlns:a14="http://schemas.microsoft.com/office/drawing/2010/main" xmlns="" w="9525">
+              <a14:hiddenLine xmlns="" xmlns:a14="http://schemas.microsoft.com/office/drawing/2010/main" w="9525">
                 <a:solidFill>
                   <a:srgbClr val="000000"/>
                 </a:solidFill>
@@ -4356,7 +4361,7 @@
           <a:p>
             <a:fld id="{DE9AFDE2-62D1-45F9-AA81-93B51FC81723}" type="datetimeFigureOut">
               <a:rPr lang="ru-RU" smtClean="0"/>
-              <a:t>26.09.2018</a:t>
+              <a:t>09.10.2018</a:t>
             </a:fld>
             <a:endParaRPr lang="ru-RU"/>
           </a:p>
@@ -4669,7 +4674,7 @@
           <a:p>
             <a:fld id="{DE9AFDE2-62D1-45F9-AA81-93B51FC81723}" type="datetimeFigureOut">
               <a:rPr lang="ru-RU" smtClean="0"/>
-              <a:t>26.09.2018</a:t>
+              <a:t>09.10.2018</a:t>
             </a:fld>
             <a:endParaRPr lang="ru-RU"/>
           </a:p>
@@ -4939,7 +4944,7 @@
           <a:p>
             <a:fld id="{DE9AFDE2-62D1-45F9-AA81-93B51FC81723}" type="datetimeFigureOut">
               <a:rPr lang="ru-RU" smtClean="0"/>
-              <a:t>26.09.2018</a:t>
+              <a:t>09.10.2018</a:t>
             </a:fld>
             <a:endParaRPr lang="ru-RU"/>
           </a:p>
@@ -5550,7 +5555,23 @@
             <a:pPr algn="just"/>
             <a:r>
               <a:rPr lang="ru-RU" sz="2400" dirty="0" smtClean="0"/>
-              <a:t>Зачастую при хранении документов у людей возникает необходимость добавить описание или заметку к уже имеющемуся документу.</a:t>
+              <a:t>Зачастую у </a:t>
+            </a:r>
+            <a:r>
+              <a:rPr lang="ru-RU" sz="2400" dirty="0" smtClean="0"/>
+              <a:t>людей возникает необходимость добавить описание или заметку к </a:t>
+            </a:r>
+            <a:r>
+              <a:rPr lang="ru-RU" sz="2400" dirty="0" smtClean="0"/>
+              <a:t>своим документам, чтобы сократить время на </a:t>
+            </a:r>
+            <a:r>
+              <a:rPr lang="ru-RU" sz="2400" dirty="0" err="1" smtClean="0"/>
+              <a:t>перечитывание</a:t>
+            </a:r>
+            <a:r>
+              <a:rPr lang="ru-RU" sz="2400" dirty="0" smtClean="0"/>
+              <a:t> и понимание этих документов.</a:t>
             </a:r>
             <a:endParaRPr lang="ru-RU" sz="2400" dirty="0"/>
           </a:p>
@@ -5859,7 +5880,15 @@
             <a:pPr algn="just"/>
             <a:r>
               <a:rPr lang="ru-RU" sz="2800" dirty="0" smtClean="0"/>
-              <a:t>Данный продукт прекрасно подойдет для работы студентов с их документами. Они будут иметь возможность создавать заметки к уже готовым файлам и иметь доступ исключительно к своим созданным заметкам.</a:t>
+              <a:t>Данный продукт прекрасно подойдет для работы студентов с их документами. Они будут иметь возможность создавать заметки к </a:t>
+            </a:r>
+            <a:r>
+              <a:rPr lang="ru-RU" sz="2800" dirty="0" smtClean="0"/>
+              <a:t>своим файлам </a:t>
+            </a:r>
+            <a:r>
+              <a:rPr lang="ru-RU" sz="2800" dirty="0" smtClean="0"/>
+              <a:t>и иметь доступ исключительно к своим созданным заметкам.</a:t>
             </a:r>
             <a:endParaRPr lang="ru-RU" sz="2800" dirty="0"/>
           </a:p>
@@ -5963,7 +5992,11 @@
           <a:p>
             <a:r>
               <a:rPr lang="ru-RU" sz="2400" dirty="0" smtClean="0"/>
-              <a:t>– главный разработчик.</a:t>
+              <a:t>Александр Варламов – </a:t>
+            </a:r>
+            <a:r>
+              <a:rPr lang="ru-RU" sz="2400" dirty="0" smtClean="0"/>
+              <a:t>главный разработчик.</a:t>
             </a:r>
             <a:endParaRPr lang="ru-RU" sz="2400" dirty="0"/>
           </a:p>
